--- a/presentation/Diabetes_Prediction_Modern.pptx
+++ b/presentation/Diabetes_Prediction_Modern.pptx
@@ -361,7 +361,7 @@
           <a:p>
             <a:fld id="{5BCAD085-E8A6-8845-BD4E-CB4CCA059FC4}" type="datetimeFigureOut">
               <a:rPr lang="en-US" smtClean="0"/>
-              <a:t>12/2/2025</a:t>
+              <a:t>12/6/2025</a:t>
             </a:fld>
             <a:endParaRPr lang="en-US"/>
           </a:p>
@@ -531,7 +531,7 @@
           <a:p>
             <a:fld id="{5BCAD085-E8A6-8845-BD4E-CB4CCA059FC4}" type="datetimeFigureOut">
               <a:rPr lang="en-US" smtClean="0"/>
-              <a:t>12/2/2025</a:t>
+              <a:t>12/6/2025</a:t>
             </a:fld>
             <a:endParaRPr lang="en-US"/>
           </a:p>
@@ -711,7 +711,7 @@
           <a:p>
             <a:fld id="{5BCAD085-E8A6-8845-BD4E-CB4CCA059FC4}" type="datetimeFigureOut">
               <a:rPr lang="en-US" smtClean="0"/>
-              <a:t>12/2/2025</a:t>
+              <a:t>12/6/2025</a:t>
             </a:fld>
             <a:endParaRPr lang="en-US"/>
           </a:p>
@@ -881,7 +881,7 @@
           <a:p>
             <a:fld id="{5BCAD085-E8A6-8845-BD4E-CB4CCA059FC4}" type="datetimeFigureOut">
               <a:rPr lang="en-US" smtClean="0"/>
-              <a:t>12/2/2025</a:t>
+              <a:t>12/6/2025</a:t>
             </a:fld>
             <a:endParaRPr lang="en-US"/>
           </a:p>
@@ -1139,7 +1139,7 @@
           <a:p>
             <a:fld id="{5BCAD085-E8A6-8845-BD4E-CB4CCA059FC4}" type="datetimeFigureOut">
               <a:rPr lang="en-US" smtClean="0"/>
-              <a:t>12/2/2025</a:t>
+              <a:t>12/6/2025</a:t>
             </a:fld>
             <a:endParaRPr lang="en-US"/>
           </a:p>
@@ -1427,7 +1427,7 @@
           <a:p>
             <a:fld id="{5BCAD085-E8A6-8845-BD4E-CB4CCA059FC4}" type="datetimeFigureOut">
               <a:rPr lang="en-US" smtClean="0"/>
-              <a:t>12/2/2025</a:t>
+              <a:t>12/6/2025</a:t>
             </a:fld>
             <a:endParaRPr lang="en-US"/>
           </a:p>
@@ -1869,7 +1869,7 @@
           <a:p>
             <a:fld id="{5BCAD085-E8A6-8845-BD4E-CB4CCA059FC4}" type="datetimeFigureOut">
               <a:rPr lang="en-US" smtClean="0"/>
-              <a:t>12/2/2025</a:t>
+              <a:t>12/6/2025</a:t>
             </a:fld>
             <a:endParaRPr lang="en-US"/>
           </a:p>
@@ -1987,7 +1987,7 @@
           <a:p>
             <a:fld id="{5BCAD085-E8A6-8845-BD4E-CB4CCA059FC4}" type="datetimeFigureOut">
               <a:rPr lang="en-US" smtClean="0"/>
-              <a:t>12/2/2025</a:t>
+              <a:t>12/6/2025</a:t>
             </a:fld>
             <a:endParaRPr lang="en-US"/>
           </a:p>
@@ -2082,7 +2082,7 @@
           <a:p>
             <a:fld id="{5BCAD085-E8A6-8845-BD4E-CB4CCA059FC4}" type="datetimeFigureOut">
               <a:rPr lang="en-US" smtClean="0"/>
-              <a:t>12/2/2025</a:t>
+              <a:t>12/6/2025</a:t>
             </a:fld>
             <a:endParaRPr lang="en-US"/>
           </a:p>
@@ -2373,7 +2373,7 @@
           <a:p>
             <a:fld id="{5BCAD085-E8A6-8845-BD4E-CB4CCA059FC4}" type="datetimeFigureOut">
               <a:rPr lang="en-US" smtClean="0"/>
-              <a:t>12/2/2025</a:t>
+              <a:t>12/6/2025</a:t>
             </a:fld>
             <a:endParaRPr lang="en-US"/>
           </a:p>
@@ -2649,7 +2649,7 @@
           <a:p>
             <a:fld id="{5BCAD085-E8A6-8845-BD4E-CB4CCA059FC4}" type="datetimeFigureOut">
               <a:rPr lang="en-US" smtClean="0"/>
-              <a:t>12/2/2025</a:t>
+              <a:t>12/6/2025</a:t>
             </a:fld>
             <a:endParaRPr lang="en-US"/>
           </a:p>
@@ -2960,7 +2960,7 @@
           <a:p>
             <a:fld id="{5BCAD085-E8A6-8845-BD4E-CB4CCA059FC4}" type="datetimeFigureOut">
               <a:rPr lang="en-US" smtClean="0"/>
-              <a:t>12/2/2025</a:t>
+              <a:t>12/6/2025</a:t>
             </a:fld>
             <a:endParaRPr lang="en-US"/>
           </a:p>
@@ -3786,13 +3786,25 @@
           <a:p>
             <a:r>
               <a:rPr lang="en-US" dirty="0"/>
-              <a:t>Naveed Akram</a:t>
+              <a:t>Izhar ul Islam Khan 	34150038</a:t>
             </a:r>
           </a:p>
           <a:p>
             <a:r>
               <a:rPr lang="en-US" dirty="0"/>
-              <a:t>Izhar ul Islam Khan</a:t>
+              <a:t>Naveed Akram 		34150039</a:t>
+            </a:r>
+          </a:p>
+          <a:p>
+            <a:r>
+              <a:rPr lang="en-US" dirty="0"/>
+              <a:t>Subhan		21519460 </a:t>
+            </a:r>
+          </a:p>
+          <a:p>
+            <a:r>
+              <a:rPr lang="en-US" dirty="0"/>
+              <a:t>Haseeb		34150055</a:t>
             </a:r>
           </a:p>
         </p:txBody>
